--- a/Pi-Club Meeting 10-2022/Lesson.pptx
+++ b/Pi-Club Meeting 10-2022/Lesson.pptx
@@ -10,6 +10,7 @@
     <p:sldId id="269" r:id="rId4"/>
     <p:sldId id="265" r:id="rId5"/>
     <p:sldId id="268" r:id="rId6"/>
+    <p:sldId id="270" r:id="rId7"/>
   </p:sldIdLst>
   <p:sldSz cx="12192000" cy="6858000"/>
   <p:notesSz cx="6858000" cy="9144000"/>
@@ -265,7 +266,7 @@
           <a:p>
             <a:fld id="{48FA316B-D854-4923-A029-CAAEFDA0053E}" type="datetimeFigureOut">
               <a:rPr lang="en-SG" smtClean="0"/>
-              <a:t>28/9/2022</a:t>
+              <a:t>2/10/2022</a:t>
             </a:fld>
             <a:endParaRPr lang="en-SG"/>
           </a:p>
@@ -465,7 +466,7 @@
           <a:p>
             <a:fld id="{48FA316B-D854-4923-A029-CAAEFDA0053E}" type="datetimeFigureOut">
               <a:rPr lang="en-SG" smtClean="0"/>
-              <a:t>28/9/2022</a:t>
+              <a:t>2/10/2022</a:t>
             </a:fld>
             <a:endParaRPr lang="en-SG"/>
           </a:p>
@@ -675,7 +676,7 @@
           <a:p>
             <a:fld id="{48FA316B-D854-4923-A029-CAAEFDA0053E}" type="datetimeFigureOut">
               <a:rPr lang="en-SG" smtClean="0"/>
-              <a:t>28/9/2022</a:t>
+              <a:t>2/10/2022</a:t>
             </a:fld>
             <a:endParaRPr lang="en-SG"/>
           </a:p>
@@ -875,7 +876,7 @@
           <a:p>
             <a:fld id="{48FA316B-D854-4923-A029-CAAEFDA0053E}" type="datetimeFigureOut">
               <a:rPr lang="en-SG" smtClean="0"/>
-              <a:t>28/9/2022</a:t>
+              <a:t>2/10/2022</a:t>
             </a:fld>
             <a:endParaRPr lang="en-SG"/>
           </a:p>
@@ -1151,7 +1152,7 @@
           <a:p>
             <a:fld id="{48FA316B-D854-4923-A029-CAAEFDA0053E}" type="datetimeFigureOut">
               <a:rPr lang="en-SG" smtClean="0"/>
-              <a:t>28/9/2022</a:t>
+              <a:t>2/10/2022</a:t>
             </a:fld>
             <a:endParaRPr lang="en-SG"/>
           </a:p>
@@ -1419,7 +1420,7 @@
           <a:p>
             <a:fld id="{48FA316B-D854-4923-A029-CAAEFDA0053E}" type="datetimeFigureOut">
               <a:rPr lang="en-SG" smtClean="0"/>
-              <a:t>28/9/2022</a:t>
+              <a:t>2/10/2022</a:t>
             </a:fld>
             <a:endParaRPr lang="en-SG"/>
           </a:p>
@@ -1834,7 +1835,7 @@
           <a:p>
             <a:fld id="{48FA316B-D854-4923-A029-CAAEFDA0053E}" type="datetimeFigureOut">
               <a:rPr lang="en-SG" smtClean="0"/>
-              <a:t>28/9/2022</a:t>
+              <a:t>2/10/2022</a:t>
             </a:fld>
             <a:endParaRPr lang="en-SG"/>
           </a:p>
@@ -1976,7 +1977,7 @@
           <a:p>
             <a:fld id="{48FA316B-D854-4923-A029-CAAEFDA0053E}" type="datetimeFigureOut">
               <a:rPr lang="en-SG" smtClean="0"/>
-              <a:t>28/9/2022</a:t>
+              <a:t>2/10/2022</a:t>
             </a:fld>
             <a:endParaRPr lang="en-SG"/>
           </a:p>
@@ -2089,7 +2090,7 @@
           <a:p>
             <a:fld id="{48FA316B-D854-4923-A029-CAAEFDA0053E}" type="datetimeFigureOut">
               <a:rPr lang="en-SG" smtClean="0"/>
-              <a:t>28/9/2022</a:t>
+              <a:t>2/10/2022</a:t>
             </a:fld>
             <a:endParaRPr lang="en-SG"/>
           </a:p>
@@ -2402,7 +2403,7 @@
           <a:p>
             <a:fld id="{48FA316B-D854-4923-A029-CAAEFDA0053E}" type="datetimeFigureOut">
               <a:rPr lang="en-SG" smtClean="0"/>
-              <a:t>28/9/2022</a:t>
+              <a:t>2/10/2022</a:t>
             </a:fld>
             <a:endParaRPr lang="en-SG"/>
           </a:p>
@@ -2691,7 +2692,7 @@
           <a:p>
             <a:fld id="{48FA316B-D854-4923-A029-CAAEFDA0053E}" type="datetimeFigureOut">
               <a:rPr lang="en-SG" smtClean="0"/>
-              <a:t>28/9/2022</a:t>
+              <a:t>2/10/2022</a:t>
             </a:fld>
             <a:endParaRPr lang="en-SG"/>
           </a:p>
@@ -2934,7 +2935,7 @@
           <a:p>
             <a:fld id="{48FA316B-D854-4923-A029-CAAEFDA0053E}" type="datetimeFigureOut">
               <a:rPr lang="en-SG" smtClean="0"/>
-              <a:t>28/9/2022</a:t>
+              <a:t>2/10/2022</a:t>
             </a:fld>
             <a:endParaRPr lang="en-SG"/>
           </a:p>
@@ -5930,7 +5931,7 @@
         <p:spPr>
           <a:xfrm>
             <a:off x="1179853" y="5551116"/>
-            <a:ext cx="10463121" cy="369332"/>
+            <a:ext cx="10736337" cy="923330"/>
           </a:xfrm>
           <a:prstGeom prst="rect">
             <a:avLst/>
@@ -5944,9 +5945,24 @@
           <a:lstStyle/>
           <a:p>
             <a:r>
-              <a:rPr lang="en-SG" dirty="0"/>
+              <a:rPr lang="en-SG" dirty="0">
+                <a:hlinkClick r:id="rId2"/>
+              </a:rPr>
               <a:t>https://gpiozero.readthedocs.io/en/stable/api_input.html?highlight=distancesensor#gpiozero.DistanceSensor</a:t>
             </a:r>
+            <a:endParaRPr lang="en-SG" dirty="0"/>
+          </a:p>
+          <a:p>
+            <a:r>
+              <a:rPr lang="en-SG" dirty="0">
+                <a:hlinkClick r:id="rId3"/>
+              </a:rPr>
+              <a:t>https://gpiozero.readthedocs.io/en/stable/api_input.html?highlight=distancesensor%5C#distancesensor-hc-sr04</a:t>
+            </a:r>
+            <a:endParaRPr lang="en-SG" dirty="0"/>
+          </a:p>
+          <a:p>
+            <a:endParaRPr lang="en-SG" dirty="0"/>
           </a:p>
         </p:txBody>
       </p:sp>
@@ -6005,7 +6021,7 @@
               <p:nvPr/>
             </p:nvPicPr>
             <p:blipFill>
-              <a:blip r:embed="rId2"/>
+              <a:blip r:embed="rId4"/>
               <a:stretch>
                 <a:fillRect/>
               </a:stretch>
@@ -6510,6 +6526,197 @@
 </p:sld>
 </file>
 
+<file path=ppt/slides/slide6.xml><?xml version="1.0" encoding="utf-8"?>
+<p:sld xmlns:a="http://schemas.openxmlformats.org/drawingml/2006/main" xmlns:r="http://schemas.openxmlformats.org/officeDocument/2006/relationships" xmlns:p="http://schemas.openxmlformats.org/presentationml/2006/main">
+  <p:cSld>
+    <p:spTree>
+      <p:nvGrpSpPr>
+        <p:cNvPr id="1" name=""/>
+        <p:cNvGrpSpPr/>
+        <p:nvPr/>
+      </p:nvGrpSpPr>
+      <p:grpSpPr>
+        <a:xfrm>
+          <a:off x="0" y="0"/>
+          <a:ext cx="0" cy="0"/>
+          <a:chOff x="0" y="0"/>
+          <a:chExt cx="0" cy="0"/>
+        </a:xfrm>
+      </p:grpSpPr>
+      <p:sp>
+        <p:nvSpPr>
+          <p:cNvPr id="3" name="TextBox 2">
+            <a:extLst>
+              <a:ext uri="{FF2B5EF4-FFF2-40B4-BE49-F238E27FC236}">
+                <a16:creationId xmlns:a16="http://schemas.microsoft.com/office/drawing/2014/main" id="{CDFB508F-0D45-6811-9FA5-136614E9EA56}"/>
+              </a:ext>
+            </a:extLst>
+          </p:cNvPr>
+          <p:cNvSpPr txBox="1"/>
+          <p:nvPr/>
+        </p:nvSpPr>
+        <p:spPr>
+          <a:xfrm>
+            <a:off x="3819088" y="2877099"/>
+            <a:ext cx="6094602" cy="646331"/>
+          </a:xfrm>
+          <a:prstGeom prst="rect">
+            <a:avLst/>
+          </a:prstGeom>
+          <a:noFill/>
+        </p:spPr>
+        <p:txBody>
+          <a:bodyPr wrap="square">
+            <a:spAutoFit/>
+          </a:bodyPr>
+          <a:lstStyle/>
+          <a:p>
+            <a:r>
+              <a:rPr lang="en-SG" dirty="0">
+                <a:hlinkClick r:id="rId2"/>
+              </a:rPr>
+              <a:t>https://all3dp.com/2/raspberry-pi-pico-w-h-wh-wifi/</a:t>
+            </a:r>
+            <a:endParaRPr lang="en-SG" dirty="0"/>
+          </a:p>
+          <a:p>
+            <a:endParaRPr lang="en-SG" dirty="0"/>
+          </a:p>
+        </p:txBody>
+      </p:sp>
+      <p:sp>
+        <p:nvSpPr>
+          <p:cNvPr id="4" name="TextBox 3">
+            <a:extLst>
+              <a:ext uri="{FF2B5EF4-FFF2-40B4-BE49-F238E27FC236}">
+                <a16:creationId xmlns:a16="http://schemas.microsoft.com/office/drawing/2014/main" id="{4A052D15-0DAD-5349-AF35-7B63F128729C}"/>
+              </a:ext>
+            </a:extLst>
+          </p:cNvPr>
+          <p:cNvSpPr txBox="1"/>
+          <p:nvPr/>
+        </p:nvSpPr>
+        <p:spPr>
+          <a:xfrm>
+            <a:off x="4974671" y="1736521"/>
+            <a:ext cx="1350050" cy="369332"/>
+          </a:xfrm>
+          <a:prstGeom prst="rect">
+            <a:avLst/>
+          </a:prstGeom>
+          <a:noFill/>
+        </p:spPr>
+        <p:txBody>
+          <a:bodyPr wrap="none" rtlCol="0">
+            <a:spAutoFit/>
+          </a:bodyPr>
+          <a:lstStyle/>
+          <a:p>
+            <a:r>
+              <a:rPr lang="en-US" dirty="0"/>
+              <a:t>Pi Club 2023</a:t>
+            </a:r>
+            <a:endParaRPr lang="en-SG" dirty="0"/>
+          </a:p>
+        </p:txBody>
+      </p:sp>
+      <p:sp>
+        <p:nvSpPr>
+          <p:cNvPr id="5" name="TextBox 4">
+            <a:extLst>
+              <a:ext uri="{FF2B5EF4-FFF2-40B4-BE49-F238E27FC236}">
+                <a16:creationId xmlns:a16="http://schemas.microsoft.com/office/drawing/2014/main" id="{E05D5D55-96E9-242C-472E-80F8820ED88B}"/>
+              </a:ext>
+            </a:extLst>
+          </p:cNvPr>
+          <p:cNvSpPr txBox="1"/>
+          <p:nvPr/>
+        </p:nvSpPr>
+        <p:spPr>
+          <a:xfrm>
+            <a:off x="4781724" y="2306810"/>
+            <a:ext cx="2203680" cy="369332"/>
+          </a:xfrm>
+          <a:prstGeom prst="rect">
+            <a:avLst/>
+          </a:prstGeom>
+          <a:noFill/>
+        </p:spPr>
+        <p:txBody>
+          <a:bodyPr wrap="none" rtlCol="0">
+            <a:spAutoFit/>
+          </a:bodyPr>
+          <a:lstStyle/>
+          <a:p>
+            <a:r>
+              <a:rPr lang="en-US" dirty="0"/>
+              <a:t>Raspberry Pi Pico WH</a:t>
+            </a:r>
+            <a:endParaRPr lang="en-SG" dirty="0"/>
+          </a:p>
+        </p:txBody>
+      </p:sp>
+      <p:sp>
+        <p:nvSpPr>
+          <p:cNvPr id="6" name="TextBox 5">
+            <a:extLst>
+              <a:ext uri="{FF2B5EF4-FFF2-40B4-BE49-F238E27FC236}">
+                <a16:creationId xmlns:a16="http://schemas.microsoft.com/office/drawing/2014/main" id="{D17D3B0E-FC3E-B0F4-FA52-11A2EDED660A}"/>
+              </a:ext>
+            </a:extLst>
+          </p:cNvPr>
+          <p:cNvSpPr txBox="1"/>
+          <p:nvPr/>
+        </p:nvSpPr>
+        <p:spPr>
+          <a:xfrm>
+            <a:off x="5040327" y="3523430"/>
+            <a:ext cx="1831655" cy="923330"/>
+          </a:xfrm>
+          <a:prstGeom prst="rect">
+            <a:avLst/>
+          </a:prstGeom>
+          <a:noFill/>
+        </p:spPr>
+        <p:txBody>
+          <a:bodyPr wrap="none" rtlCol="0">
+            <a:spAutoFit/>
+          </a:bodyPr>
+          <a:lstStyle/>
+          <a:p>
+            <a:r>
+              <a:rPr lang="en-US" dirty="0"/>
+              <a:t>Personal Pico WH</a:t>
+            </a:r>
+          </a:p>
+          <a:p>
+            <a:r>
+              <a:rPr lang="en-US" dirty="0"/>
+              <a:t>Personal IOT Kit</a:t>
+            </a:r>
+          </a:p>
+          <a:p>
+            <a:r>
+              <a:rPr lang="en-US" dirty="0"/>
+              <a:t>Laptop </a:t>
+            </a:r>
+            <a:endParaRPr lang="en-SG" dirty="0"/>
+          </a:p>
+        </p:txBody>
+      </p:sp>
+    </p:spTree>
+    <p:extLst>
+      <p:ext uri="{BB962C8B-B14F-4D97-AF65-F5344CB8AC3E}">
+        <p14:creationId xmlns:p14="http://schemas.microsoft.com/office/powerpoint/2010/main" val="1082018238"/>
+      </p:ext>
+    </p:extLst>
+  </p:cSld>
+  <p:clrMapOvr>
+    <a:masterClrMapping/>
+  </p:clrMapOvr>
+</p:sld>
+</file>
+
 <file path=ppt/theme/theme1.xml><?xml version="1.0" encoding="utf-8"?>
 <a:theme xmlns:a="http://schemas.openxmlformats.org/drawingml/2006/main" name="Office Theme">
   <a:themeElements>
